--- a/egyetemi_feleves_cuccok/4_szemeszter/adatbé2/előadások/I04.pptx
+++ b/egyetemi_feleves_cuccok/4_szemeszter/adatbé2/előadások/I04.pptx
@@ -214,7 +214,7 @@
           <a:p>
             <a:fld id="{1D8BD707-D9CF-40AE-B4C6-C98DA3205C09}" type="datetimeFigureOut">
               <a:rPr lang="en-US"/>
-              <a:t>3/15/2025</a:t>
+              <a:t>5/1/2025</a:t>
             </a:fld>
             <a:endParaRPr lang="en-US"/>
           </a:p>
@@ -391,7 +391,7 @@
           <a:p>
             <a:fld id="{1D8BD707-D9CF-40AE-B4C6-C98DA3205C09}" type="datetimeFigureOut">
               <a:rPr lang="en-US"/>
-              <a:t>3/15/2025</a:t>
+              <a:t>5/1/2025</a:t>
             </a:fld>
             <a:endParaRPr lang="en-US"/>
           </a:p>
@@ -605,7 +605,7 @@
           <a:p>
             <a:fld id="{1D8BD707-D9CF-40AE-B4C6-C98DA3205C09}" type="datetimeFigureOut">
               <a:rPr lang="en-US"/>
-              <a:t>3/15/2025</a:t>
+              <a:t>5/1/2025</a:t>
             </a:fld>
             <a:endParaRPr lang="en-US"/>
           </a:p>
@@ -753,7 +753,7 @@
           <a:p>
             <a:fld id="{1D8BD707-D9CF-40AE-B4C6-C98DA3205C09}" type="datetimeFigureOut">
               <a:rPr lang="en-US"/>
-              <a:t>3/15/2025</a:t>
+              <a:t>5/1/2025</a:t>
             </a:fld>
             <a:endParaRPr lang="en-US"/>
           </a:p>
@@ -1394,7 +1394,7 @@
           <a:p>
             <a:fld id="{1D8BD707-D9CF-40AE-B4C6-C98DA3205C09}" type="datetimeFigureOut">
               <a:rPr lang="en-US"/>
-              <a:t>3/15/2025</a:t>
+              <a:t>5/1/2025</a:t>
             </a:fld>
             <a:endParaRPr lang="en-US"/>
           </a:p>
@@ -2211,7 +2211,7 @@
           <a:p>
             <a:fld id="{1D8BD707-D9CF-40AE-B4C6-C98DA3205C09}" type="datetimeFigureOut">
               <a:rPr lang="en-US"/>
-              <a:t>3/15/2025</a:t>
+              <a:t>5/1/2025</a:t>
             </a:fld>
             <a:endParaRPr lang="en-US"/>
           </a:p>
@@ -41562,6 +41562,9 @@
             </a:r>
             <a:r>
               <a:rPr sz="1900" dirty="0">
+                <a:highlight>
+                  <a:srgbClr val="FFFF00"/>
+                </a:highlight>
                 <a:latin typeface="Georgia"/>
                 <a:cs typeface="Georgia"/>
               </a:rPr>
@@ -41569,13 +41572,19 @@
             </a:r>
             <a:r>
               <a:rPr sz="1900" spc="-65" dirty="0">
-                <a:latin typeface="Georgia"/>
-                <a:cs typeface="Georgia"/>
-              </a:rPr>
-              <a:t> </a:t>
-            </a:r>
-            <a:r>
-              <a:rPr sz="1900" dirty="0">
+                <a:highlight>
+                  <a:srgbClr val="FFFF00"/>
+                </a:highlight>
+                <a:latin typeface="Georgia"/>
+                <a:cs typeface="Georgia"/>
+              </a:rPr>
+              <a:t> </a:t>
+            </a:r>
+            <a:r>
+              <a:rPr sz="1900" dirty="0">
+                <a:highlight>
+                  <a:srgbClr val="FFFF00"/>
+                </a:highlight>
                 <a:latin typeface="Georgia"/>
                 <a:cs typeface="Georgia"/>
               </a:rPr>
@@ -41583,17 +41592,30 @@
             </a:r>
             <a:r>
               <a:rPr sz="1900" spc="-65" dirty="0">
-                <a:latin typeface="Georgia"/>
-                <a:cs typeface="Georgia"/>
-              </a:rPr>
-              <a:t> </a:t>
-            </a:r>
-            <a:r>
-              <a:rPr sz="1900" dirty="0">
-                <a:latin typeface="Georgia"/>
-                <a:cs typeface="Georgia"/>
-              </a:rPr>
-              <a:t>szabványok,</a:t>
+                <a:highlight>
+                  <a:srgbClr val="FFFF00"/>
+                </a:highlight>
+                <a:latin typeface="Georgia"/>
+                <a:cs typeface="Georgia"/>
+              </a:rPr>
+              <a:t> </a:t>
+            </a:r>
+            <a:r>
+              <a:rPr sz="1900" dirty="0">
+                <a:highlight>
+                  <a:srgbClr val="FFFF00"/>
+                </a:highlight>
+                <a:latin typeface="Georgia"/>
+                <a:cs typeface="Georgia"/>
+              </a:rPr>
+              <a:t>szabványok</a:t>
+            </a:r>
+            <a:r>
+              <a:rPr sz="1900" dirty="0">
+                <a:latin typeface="Georgia"/>
+                <a:cs typeface="Georgia"/>
+              </a:rPr>
+              <a:t>,</a:t>
             </a:r>
             <a:r>
               <a:rPr sz="1900" spc="-60" dirty="0">
@@ -41604,6 +41626,9 @@
             </a:r>
             <a:r>
               <a:rPr sz="1900" dirty="0">
+                <a:highlight>
+                  <a:srgbClr val="FFFF00"/>
+                </a:highlight>
                 <a:latin typeface="Georgia"/>
                 <a:cs typeface="Georgia"/>
               </a:rPr>
@@ -41611,6 +41636,9 @@
             </a:r>
             <a:r>
               <a:rPr sz="1900" spc="-75" dirty="0">
+                <a:highlight>
+                  <a:srgbClr val="FFFF00"/>
+                </a:highlight>
                 <a:latin typeface="Georgia"/>
                 <a:cs typeface="Georgia"/>
               </a:rPr>
@@ -41618,10 +41646,20 @@
             </a:r>
             <a:r>
               <a:rPr sz="1900" spc="-10" dirty="0">
-                <a:latin typeface="Georgia"/>
-                <a:cs typeface="Georgia"/>
-              </a:rPr>
-              <a:t>szabályok,</a:t>
+                <a:highlight>
+                  <a:srgbClr val="FFFF00"/>
+                </a:highlight>
+                <a:latin typeface="Georgia"/>
+                <a:cs typeface="Georgia"/>
+              </a:rPr>
+              <a:t>szabályok</a:t>
+            </a:r>
+            <a:r>
+              <a:rPr sz="1900" spc="-10" dirty="0">
+                <a:latin typeface="Georgia"/>
+                <a:cs typeface="Georgia"/>
+              </a:rPr>
+              <a:t>,</a:t>
             </a:r>
             <a:endParaRPr sz="1900" dirty="0">
               <a:latin typeface="Georgia"/>
@@ -41636,6 +41674,9 @@
             </a:pPr>
             <a:r>
               <a:rPr sz="1900" dirty="0">
+                <a:highlight>
+                  <a:srgbClr val="FFFF00"/>
+                </a:highlight>
                 <a:latin typeface="Georgia"/>
                 <a:cs typeface="Georgia"/>
               </a:rPr>
@@ -41643,6 +41684,9 @@
             </a:r>
             <a:r>
               <a:rPr sz="1900" spc="-45" dirty="0">
+                <a:highlight>
+                  <a:srgbClr val="FFFF00"/>
+                </a:highlight>
                 <a:latin typeface="Georgia"/>
                 <a:cs typeface="Georgia"/>
               </a:rPr>
@@ -41650,12 +41694,18 @@
             </a:r>
             <a:r>
               <a:rPr sz="1900" spc="-10" dirty="0">
+                <a:highlight>
+                  <a:srgbClr val="FFFF00"/>
+                </a:highlight>
                 <a:latin typeface="Georgia"/>
                 <a:cs typeface="Georgia"/>
               </a:rPr>
               <a:t>részletek</a:t>
             </a:r>
             <a:endParaRPr sz="1900" dirty="0">
+              <a:highlight>
+                <a:srgbClr val="FFFF00"/>
+              </a:highlight>
               <a:latin typeface="Georgia"/>
               <a:cs typeface="Georgia"/>
             </a:endParaRPr>
@@ -42013,6 +42063,9 @@
             </a:r>
             <a:r>
               <a:rPr sz="1900" dirty="0">
+                <a:highlight>
+                  <a:srgbClr val="FFFF00"/>
+                </a:highlight>
                 <a:latin typeface="Georgia"/>
                 <a:cs typeface="Georgia"/>
               </a:rPr>
@@ -42020,13 +42073,19 @@
             </a:r>
             <a:r>
               <a:rPr sz="1900" spc="-60" dirty="0">
-                <a:latin typeface="Georgia"/>
-                <a:cs typeface="Georgia"/>
-              </a:rPr>
-              <a:t> </a:t>
-            </a:r>
-            <a:r>
-              <a:rPr sz="1900" dirty="0">
+                <a:highlight>
+                  <a:srgbClr val="FFFF00"/>
+                </a:highlight>
+                <a:latin typeface="Georgia"/>
+                <a:cs typeface="Georgia"/>
+              </a:rPr>
+              <a:t> </a:t>
+            </a:r>
+            <a:r>
+              <a:rPr sz="1900" dirty="0">
+                <a:highlight>
+                  <a:srgbClr val="FFFF00"/>
+                </a:highlight>
                 <a:latin typeface="Georgia"/>
                 <a:cs typeface="Georgia"/>
               </a:rPr>
@@ -42034,13 +42093,19 @@
             </a:r>
             <a:r>
               <a:rPr sz="1900" spc="-60" dirty="0">
-                <a:latin typeface="Georgia"/>
-                <a:cs typeface="Georgia"/>
-              </a:rPr>
-              <a:t> </a:t>
-            </a:r>
-            <a:r>
-              <a:rPr sz="1900" dirty="0">
+                <a:highlight>
+                  <a:srgbClr val="FFFF00"/>
+                </a:highlight>
+                <a:latin typeface="Georgia"/>
+                <a:cs typeface="Georgia"/>
+              </a:rPr>
+              <a:t> </a:t>
+            </a:r>
+            <a:r>
+              <a:rPr sz="1900" dirty="0">
+                <a:highlight>
+                  <a:srgbClr val="FFFF00"/>
+                </a:highlight>
                 <a:latin typeface="Georgia"/>
                 <a:cs typeface="Georgia"/>
               </a:rPr>
@@ -42048,13 +42113,19 @@
             </a:r>
             <a:r>
               <a:rPr sz="1900" spc="-70" dirty="0">
-                <a:latin typeface="Georgia"/>
-                <a:cs typeface="Georgia"/>
-              </a:rPr>
-              <a:t> </a:t>
-            </a:r>
-            <a:r>
-              <a:rPr sz="1900" dirty="0">
+                <a:highlight>
+                  <a:srgbClr val="FFFF00"/>
+                </a:highlight>
+                <a:latin typeface="Georgia"/>
+                <a:cs typeface="Georgia"/>
+              </a:rPr>
+              <a:t> </a:t>
+            </a:r>
+            <a:r>
+              <a:rPr sz="1900" dirty="0">
+                <a:highlight>
+                  <a:srgbClr val="FFFF00"/>
+                </a:highlight>
                 <a:latin typeface="Georgia"/>
                 <a:cs typeface="Georgia"/>
               </a:rPr>
@@ -42062,6 +42133,9 @@
             </a:r>
             <a:r>
               <a:rPr sz="1900" spc="-70" dirty="0">
+                <a:highlight>
+                  <a:srgbClr val="FFFF00"/>
+                </a:highlight>
                 <a:latin typeface="Georgia"/>
                 <a:cs typeface="Georgia"/>
               </a:rPr>
@@ -42069,12 +42143,18 @@
             </a:r>
             <a:r>
               <a:rPr sz="1900" spc="-10" dirty="0">
+                <a:highlight>
+                  <a:srgbClr val="FFFF00"/>
+                </a:highlight>
                 <a:latin typeface="Georgia"/>
                 <a:cs typeface="Georgia"/>
               </a:rPr>
               <a:t>táblák</a:t>
             </a:r>
             <a:endParaRPr sz="1900" dirty="0">
+              <a:highlight>
+                <a:srgbClr val="FFFF00"/>
+              </a:highlight>
               <a:latin typeface="Georgia"/>
               <a:cs typeface="Georgia"/>
             </a:endParaRPr>
@@ -42090,6 +42170,9 @@
             </a:pPr>
             <a:r>
               <a:rPr sz="1900" dirty="0">
+                <a:highlight>
+                  <a:srgbClr val="FFFF00"/>
+                </a:highlight>
                 <a:latin typeface="Georgia"/>
                 <a:cs typeface="Georgia"/>
               </a:rPr>
@@ -42097,6 +42180,9 @@
             </a:r>
             <a:r>
               <a:rPr sz="1900" spc="-40" dirty="0">
+                <a:highlight>
+                  <a:srgbClr val="FFFF00"/>
+                </a:highlight>
                 <a:latin typeface="Georgia"/>
                 <a:cs typeface="Georgia"/>
               </a:rPr>
@@ -42104,12 +42190,18 @@
             </a:r>
             <a:r>
               <a:rPr sz="1900" spc="-10" dirty="0">
+                <a:highlight>
+                  <a:srgbClr val="FFFF00"/>
+                </a:highlight>
                 <a:latin typeface="Georgia"/>
                 <a:cs typeface="Georgia"/>
               </a:rPr>
               <a:t>kapcsolatok</a:t>
             </a:r>
             <a:endParaRPr sz="1900" dirty="0">
+              <a:highlight>
+                <a:srgbClr val="FFFF00"/>
+              </a:highlight>
               <a:latin typeface="Georgia"/>
               <a:cs typeface="Georgia"/>
             </a:endParaRPr>
